--- a/powerpoints/Introduction.pptx
+++ b/powerpoints/Introduction.pptx
@@ -207,7 +207,7 @@
           <a:p>
             <a:fld id="{BF3E0636-8A2E-4043-881A-1014A5CF3828}" type="datetimeFigureOut">
               <a:rPr lang="en-US" smtClean="0"/>
-              <a:t>10/5/20</a:t>
+              <a:t>10/24/20</a:t>
             </a:fld>
             <a:endParaRPr lang="en-US"/>
           </a:p>
@@ -518,41 +518,6 @@
           <a:bodyPr/>
           <a:lstStyle/>
           <a:p>
-            <a:r>
-              <a:rPr lang="en-US" dirty="0"/>
-              <a:t>logistic regression</a:t>
-            </a:r>
-            <a:r>
-              <a:rPr lang="en-US" baseline="0" dirty="0"/>
-              <a:t>: https://</a:t>
-            </a:r>
-            <a:r>
-              <a:rPr lang="en-US" baseline="0" dirty="0" err="1"/>
-              <a:t>towardsdatascience.com</a:t>
-            </a:r>
-            <a:r>
-              <a:rPr lang="en-US" baseline="0" dirty="0"/>
-              <a:t>/logistic-regression-using-python-sklearn-numpy-mnist-handwriting-recognition-matplotlib-a6b31e2b166a</a:t>
-            </a:r>
-          </a:p>
-          <a:p>
-            <a:endParaRPr lang="en-US" baseline="0" dirty="0"/>
-          </a:p>
-          <a:p>
-            <a:r>
-              <a:rPr lang="en-US" baseline="0" dirty="0"/>
-              <a:t>PCA (dimensionality reduction using Python): https://</a:t>
-            </a:r>
-            <a:r>
-              <a:rPr lang="en-US" baseline="0" dirty="0" err="1"/>
-              <a:t>towardsdatascience.com</a:t>
-            </a:r>
-            <a:r>
-              <a:rPr lang="en-US" baseline="0" dirty="0"/>
-              <a:t>/pca-using-python-scikit-learn-e653f8989e60</a:t>
-            </a:r>
-          </a:p>
-          <a:p>
             <a:endParaRPr lang="en-US" baseline="0" dirty="0"/>
           </a:p>
           <a:p>
@@ -640,151 +605,6 @@
           <a:bodyPr/>
           <a:lstStyle/>
           <a:p>
-            <a:pPr marL="171450" marR="0" lvl="0" indent="-171450" algn="l" defTabSz="914400" rtl="0" eaLnBrk="1" fontAlgn="base" latinLnBrk="0" hangingPunct="1">
-              <a:lnSpc>
-                <a:spcPct val="100000"/>
-              </a:lnSpc>
-              <a:spcBef>
-                <a:spcPts val="0"/>
-              </a:spcBef>
-              <a:spcAft>
-                <a:spcPts val="0"/>
-              </a:spcAft>
-              <a:buClrTx/>
-              <a:buSzTx/>
-              <a:buFont typeface="Arial" panose="020B0604020202020204" pitchFamily="34" charset="0"/>
-              <a:buChar char="•"/>
-              <a:tabLst/>
-              <a:defRPr/>
-            </a:pPr>
-            <a:r>
-              <a:rPr lang="en-US" sz="1200" dirty="0"/>
-              <a:t>Programming machine learning algorithms from scratch is no easy task. </a:t>
-            </a:r>
-            <a:endParaRPr lang="en-US" sz="1200" b="0" i="0" u="none" strike="noStrike" kern="1200" dirty="0">
-              <a:solidFill>
-                <a:schemeClr val="tx1"/>
-              </a:solidFill>
-              <a:effectLst/>
-              <a:latin typeface="+mn-lt"/>
-              <a:ea typeface="+mn-ea"/>
-              <a:cs typeface="+mn-cs"/>
-            </a:endParaRPr>
-          </a:p>
-          <a:p>
-            <a:pPr marL="171450" marR="0" lvl="0" indent="-171450" algn="l" defTabSz="914400" rtl="0" eaLnBrk="1" fontAlgn="base" latinLnBrk="0" hangingPunct="1">
-              <a:lnSpc>
-                <a:spcPct val="100000"/>
-              </a:lnSpc>
-              <a:spcBef>
-                <a:spcPts val="0"/>
-              </a:spcBef>
-              <a:spcAft>
-                <a:spcPts val="0"/>
-              </a:spcAft>
-              <a:buClrTx/>
-              <a:buSzTx/>
-              <a:buFont typeface="Arial" panose="020B0604020202020204" pitchFamily="34" charset="0"/>
-              <a:buChar char="•"/>
-              <a:tabLst/>
-              <a:defRPr/>
-            </a:pPr>
-            <a:r>
-              <a:rPr lang="en-US" sz="1200" dirty="0"/>
-              <a:t>Scikit-learn provides a large amount of well programmed algorithms. </a:t>
-            </a:r>
-            <a:r>
-              <a:rPr lang="en-US" sz="1200" b="0" i="0" u="none" strike="noStrike" kern="1200" dirty="0">
-                <a:solidFill>
-                  <a:schemeClr val="tx1"/>
-                </a:solidFill>
-                <a:effectLst/>
-                <a:latin typeface="+mn-lt"/>
-                <a:ea typeface="+mn-ea"/>
-                <a:cs typeface="+mn-cs"/>
-              </a:rPr>
-              <a:t>Most models in scikit-learn also have reasonable default values for hyperparameters. This means that a machine learning algorithm might work well with little tuning. </a:t>
-            </a:r>
-          </a:p>
-          <a:p>
-            <a:pPr marL="171450" marR="0" lvl="0" indent="-171450" algn="l" defTabSz="914400" rtl="0" eaLnBrk="1" fontAlgn="base" latinLnBrk="0" hangingPunct="1">
-              <a:lnSpc>
-                <a:spcPct val="100000"/>
-              </a:lnSpc>
-              <a:spcBef>
-                <a:spcPts val="0"/>
-              </a:spcBef>
-              <a:spcAft>
-                <a:spcPts val="0"/>
-              </a:spcAft>
-              <a:buClrTx/>
-              <a:buSzTx/>
-              <a:buFont typeface="Arial" panose="020B0604020202020204" pitchFamily="34" charset="0"/>
-              <a:buChar char="•"/>
-              <a:tabLst/>
-              <a:defRPr/>
-            </a:pPr>
-            <a:r>
-              <a:rPr lang="en-US" sz="1200" dirty="0"/>
-              <a:t>Syntax allows you to try multiple algorithms quickly</a:t>
-            </a:r>
-          </a:p>
-          <a:p>
-            <a:pPr marL="171450" marR="0" lvl="0" indent="-171450" algn="l" defTabSz="914400" rtl="0" eaLnBrk="1" fontAlgn="base" latinLnBrk="0" hangingPunct="1">
-              <a:lnSpc>
-                <a:spcPct val="100000"/>
-              </a:lnSpc>
-              <a:spcBef>
-                <a:spcPts val="0"/>
-              </a:spcBef>
-              <a:spcAft>
-                <a:spcPts val="0"/>
-              </a:spcAft>
-              <a:buClrTx/>
-              <a:buSzTx/>
-              <a:buFont typeface="Arial" panose="020B0604020202020204" pitchFamily="34" charset="0"/>
-              <a:buChar char="•"/>
-              <a:tabLst/>
-              <a:defRPr/>
-            </a:pPr>
-            <a:r>
-              <a:rPr lang="en-US" sz="1200" dirty="0"/>
-              <a:t>Library works well with other python libraries like NumPy, pandas, and matplotlib</a:t>
-            </a:r>
-            <a:endParaRPr lang="en-US" sz="1200" b="0" i="0" u="none" strike="noStrike" kern="1200" dirty="0">
-              <a:solidFill>
-                <a:schemeClr val="tx1"/>
-              </a:solidFill>
-              <a:effectLst/>
-              <a:latin typeface="+mn-lt"/>
-              <a:ea typeface="+mn-ea"/>
-              <a:cs typeface="+mn-cs"/>
-            </a:endParaRPr>
-          </a:p>
-          <a:p>
-            <a:pPr marL="171450" marR="0" lvl="0" indent="-171450" algn="l" defTabSz="914400" rtl="0" eaLnBrk="1" fontAlgn="base" latinLnBrk="0" hangingPunct="1">
-              <a:lnSpc>
-                <a:spcPct val="100000"/>
-              </a:lnSpc>
-              <a:spcBef>
-                <a:spcPts val="0"/>
-              </a:spcBef>
-              <a:spcAft>
-                <a:spcPts val="0"/>
-              </a:spcAft>
-              <a:buClrTx/>
-              <a:buSzTx/>
-              <a:buFont typeface="Arial" panose="020B0604020202020204" pitchFamily="34" charset="0"/>
-              <a:buChar char="•"/>
-              <a:tabLst/>
-              <a:defRPr/>
-            </a:pPr>
-            <a:r>
-              <a:rPr lang="en-US" sz="1200" dirty="0"/>
-              <a:t>Library is popular. There are always more scikit-learn tutorials being written. This means that you can get your questions answered more easily. </a:t>
-            </a:r>
-          </a:p>
-          <a:p>
             <a:endParaRPr lang="en-US" dirty="0"/>
           </a:p>
         </p:txBody>
@@ -869,151 +689,6 @@
           <a:bodyPr/>
           <a:lstStyle/>
           <a:p>
-            <a:pPr marL="171450" marR="0" lvl="0" indent="-171450" algn="l" defTabSz="914400" rtl="0" eaLnBrk="1" fontAlgn="base" latinLnBrk="0" hangingPunct="1">
-              <a:lnSpc>
-                <a:spcPct val="100000"/>
-              </a:lnSpc>
-              <a:spcBef>
-                <a:spcPts val="0"/>
-              </a:spcBef>
-              <a:spcAft>
-                <a:spcPts val="0"/>
-              </a:spcAft>
-              <a:buClrTx/>
-              <a:buSzTx/>
-              <a:buFont typeface="Arial" panose="020B0604020202020204" pitchFamily="34" charset="0"/>
-              <a:buChar char="•"/>
-              <a:tabLst/>
-              <a:defRPr/>
-            </a:pPr>
-            <a:r>
-              <a:rPr lang="en-US" sz="1200" dirty="0"/>
-              <a:t>Programming machine learning algorithms from scratch is no easy task. </a:t>
-            </a:r>
-            <a:endParaRPr lang="en-US" sz="1200" b="0" i="0" u="none" strike="noStrike" kern="1200" dirty="0">
-              <a:solidFill>
-                <a:schemeClr val="tx1"/>
-              </a:solidFill>
-              <a:effectLst/>
-              <a:latin typeface="+mn-lt"/>
-              <a:ea typeface="+mn-ea"/>
-              <a:cs typeface="+mn-cs"/>
-            </a:endParaRPr>
-          </a:p>
-          <a:p>
-            <a:pPr marL="171450" marR="0" lvl="0" indent="-171450" algn="l" defTabSz="914400" rtl="0" eaLnBrk="1" fontAlgn="base" latinLnBrk="0" hangingPunct="1">
-              <a:lnSpc>
-                <a:spcPct val="100000"/>
-              </a:lnSpc>
-              <a:spcBef>
-                <a:spcPts val="0"/>
-              </a:spcBef>
-              <a:spcAft>
-                <a:spcPts val="0"/>
-              </a:spcAft>
-              <a:buClrTx/>
-              <a:buSzTx/>
-              <a:buFont typeface="Arial" panose="020B0604020202020204" pitchFamily="34" charset="0"/>
-              <a:buChar char="•"/>
-              <a:tabLst/>
-              <a:defRPr/>
-            </a:pPr>
-            <a:r>
-              <a:rPr lang="en-US" sz="1200" dirty="0"/>
-              <a:t>Scikit-learn provides a large amount of well programmed algorithms. </a:t>
-            </a:r>
-            <a:r>
-              <a:rPr lang="en-US" sz="1200" b="0" i="0" u="none" strike="noStrike" kern="1200" dirty="0">
-                <a:solidFill>
-                  <a:schemeClr val="tx1"/>
-                </a:solidFill>
-                <a:effectLst/>
-                <a:latin typeface="+mn-lt"/>
-                <a:ea typeface="+mn-ea"/>
-                <a:cs typeface="+mn-cs"/>
-              </a:rPr>
-              <a:t>Most models in scikit-learn also have reasonable default values for hyperparameters. This means that a machine learning algorithm might work well with little tuning. </a:t>
-            </a:r>
-          </a:p>
-          <a:p>
-            <a:pPr marL="171450" marR="0" lvl="0" indent="-171450" algn="l" defTabSz="914400" rtl="0" eaLnBrk="1" fontAlgn="base" latinLnBrk="0" hangingPunct="1">
-              <a:lnSpc>
-                <a:spcPct val="100000"/>
-              </a:lnSpc>
-              <a:spcBef>
-                <a:spcPts val="0"/>
-              </a:spcBef>
-              <a:spcAft>
-                <a:spcPts val="0"/>
-              </a:spcAft>
-              <a:buClrTx/>
-              <a:buSzTx/>
-              <a:buFont typeface="Arial" panose="020B0604020202020204" pitchFamily="34" charset="0"/>
-              <a:buChar char="•"/>
-              <a:tabLst/>
-              <a:defRPr/>
-            </a:pPr>
-            <a:r>
-              <a:rPr lang="en-US" sz="1200" dirty="0"/>
-              <a:t>Syntax allows you to try multiple algorithms quickly</a:t>
-            </a:r>
-          </a:p>
-          <a:p>
-            <a:pPr marL="171450" marR="0" lvl="0" indent="-171450" algn="l" defTabSz="914400" rtl="0" eaLnBrk="1" fontAlgn="base" latinLnBrk="0" hangingPunct="1">
-              <a:lnSpc>
-                <a:spcPct val="100000"/>
-              </a:lnSpc>
-              <a:spcBef>
-                <a:spcPts val="0"/>
-              </a:spcBef>
-              <a:spcAft>
-                <a:spcPts val="0"/>
-              </a:spcAft>
-              <a:buClrTx/>
-              <a:buSzTx/>
-              <a:buFont typeface="Arial" panose="020B0604020202020204" pitchFamily="34" charset="0"/>
-              <a:buChar char="•"/>
-              <a:tabLst/>
-              <a:defRPr/>
-            </a:pPr>
-            <a:r>
-              <a:rPr lang="en-US" sz="1200" dirty="0"/>
-              <a:t>Library works well with other python libraries like NumPy, pandas, and matplotlib</a:t>
-            </a:r>
-            <a:endParaRPr lang="en-US" sz="1200" b="0" i="0" u="none" strike="noStrike" kern="1200" dirty="0">
-              <a:solidFill>
-                <a:schemeClr val="tx1"/>
-              </a:solidFill>
-              <a:effectLst/>
-              <a:latin typeface="+mn-lt"/>
-              <a:ea typeface="+mn-ea"/>
-              <a:cs typeface="+mn-cs"/>
-            </a:endParaRPr>
-          </a:p>
-          <a:p>
-            <a:pPr marL="171450" marR="0" lvl="0" indent="-171450" algn="l" defTabSz="914400" rtl="0" eaLnBrk="1" fontAlgn="base" latinLnBrk="0" hangingPunct="1">
-              <a:lnSpc>
-                <a:spcPct val="100000"/>
-              </a:lnSpc>
-              <a:spcBef>
-                <a:spcPts val="0"/>
-              </a:spcBef>
-              <a:spcAft>
-                <a:spcPts val="0"/>
-              </a:spcAft>
-              <a:buClrTx/>
-              <a:buSzTx/>
-              <a:buFont typeface="Arial" panose="020B0604020202020204" pitchFamily="34" charset="0"/>
-              <a:buChar char="•"/>
-              <a:tabLst/>
-              <a:defRPr/>
-            </a:pPr>
-            <a:r>
-              <a:rPr lang="en-US" sz="1200" dirty="0"/>
-              <a:t>Library is popular. There are always more scikit-learn tutorials being written. This means that you can get your questions answered more easily. </a:t>
-            </a:r>
-          </a:p>
-          <a:p>
             <a:endParaRPr lang="en-US" dirty="0"/>
           </a:p>
         </p:txBody>
@@ -1146,14 +821,6 @@
               </a:spcAft>
               <a:buNone/>
             </a:pPr>
-            <a:r>
-              <a:rPr lang="en-US" dirty="0"/>
-              <a:t>Fit</a:t>
-            </a:r>
-            <a:r>
-              <a:rPr lang="en-US" baseline="0" dirty="0"/>
-              <a:t>bit data</a:t>
-            </a:r>
             <a:endParaRPr dirty="0"/>
           </a:p>
         </p:txBody>
@@ -1215,10 +882,7 @@
           <a:bodyPr/>
           <a:lstStyle/>
           <a:p>
-            <a:r>
-              <a:rPr lang="en-US" dirty="0"/>
-              <a:t>I have posted supplementary material on Canvas for this </a:t>
-            </a:r>
+            <a:endParaRPr lang="en-US" dirty="0"/>
           </a:p>
         </p:txBody>
       </p:sp>
@@ -1891,7 +1555,7 @@
           <a:p>
             <a:fld id="{F863BEF8-C8D8-2848-8261-78C146860174}" type="datetimeFigureOut">
               <a:rPr lang="en-US" smtClean="0"/>
-              <a:t>10/5/20</a:t>
+              <a:t>10/24/20</a:t>
             </a:fld>
             <a:endParaRPr lang="en-US"/>
           </a:p>
@@ -2059,7 +1723,7 @@
           <a:p>
             <a:fld id="{F863BEF8-C8D8-2848-8261-78C146860174}" type="datetimeFigureOut">
               <a:rPr lang="en-US" smtClean="0"/>
-              <a:t>10/5/20</a:t>
+              <a:t>10/24/20</a:t>
             </a:fld>
             <a:endParaRPr lang="en-US"/>
           </a:p>
@@ -2237,7 +1901,7 @@
           <a:p>
             <a:fld id="{F863BEF8-C8D8-2848-8261-78C146860174}" type="datetimeFigureOut">
               <a:rPr lang="en-US" smtClean="0"/>
-              <a:t>10/5/20</a:t>
+              <a:t>10/24/20</a:t>
             </a:fld>
             <a:endParaRPr lang="en-US"/>
           </a:p>
@@ -2760,7 +2424,7 @@
           <a:p>
             <a:fld id="{F863BEF8-C8D8-2848-8261-78C146860174}" type="datetimeFigureOut">
               <a:rPr lang="en-US" smtClean="0"/>
-              <a:t>10/5/20</a:t>
+              <a:t>10/24/20</a:t>
             </a:fld>
             <a:endParaRPr lang="en-US"/>
           </a:p>
@@ -3005,7 +2669,7 @@
           <a:p>
             <a:fld id="{F863BEF8-C8D8-2848-8261-78C146860174}" type="datetimeFigureOut">
               <a:rPr lang="en-US" smtClean="0"/>
-              <a:t>10/5/20</a:t>
+              <a:t>10/24/20</a:t>
             </a:fld>
             <a:endParaRPr lang="en-US"/>
           </a:p>
@@ -3234,7 +2898,7 @@
           <a:p>
             <a:fld id="{F863BEF8-C8D8-2848-8261-78C146860174}" type="datetimeFigureOut">
               <a:rPr lang="en-US" smtClean="0"/>
-              <a:t>10/5/20</a:t>
+              <a:t>10/24/20</a:t>
             </a:fld>
             <a:endParaRPr lang="en-US"/>
           </a:p>
@@ -3598,7 +3262,7 @@
           <a:p>
             <a:fld id="{F863BEF8-C8D8-2848-8261-78C146860174}" type="datetimeFigureOut">
               <a:rPr lang="en-US" smtClean="0"/>
-              <a:t>10/5/20</a:t>
+              <a:t>10/24/20</a:t>
             </a:fld>
             <a:endParaRPr lang="en-US"/>
           </a:p>
@@ -3715,7 +3379,7 @@
           <a:p>
             <a:fld id="{F863BEF8-C8D8-2848-8261-78C146860174}" type="datetimeFigureOut">
               <a:rPr lang="en-US" smtClean="0"/>
-              <a:t>10/5/20</a:t>
+              <a:t>10/24/20</a:t>
             </a:fld>
             <a:endParaRPr lang="en-US"/>
           </a:p>
@@ -3810,7 +3474,7 @@
           <a:p>
             <a:fld id="{F863BEF8-C8D8-2848-8261-78C146860174}" type="datetimeFigureOut">
               <a:rPr lang="en-US" smtClean="0"/>
-              <a:t>10/5/20</a:t>
+              <a:t>10/24/20</a:t>
             </a:fld>
             <a:endParaRPr lang="en-US"/>
           </a:p>
@@ -4085,7 +3749,7 @@
           <a:p>
             <a:fld id="{F863BEF8-C8D8-2848-8261-78C146860174}" type="datetimeFigureOut">
               <a:rPr lang="en-US" smtClean="0"/>
-              <a:t>10/5/20</a:t>
+              <a:t>10/24/20</a:t>
             </a:fld>
             <a:endParaRPr lang="en-US"/>
           </a:p>
@@ -4337,7 +4001,7 @@
           <a:p>
             <a:fld id="{F863BEF8-C8D8-2848-8261-78C146860174}" type="datetimeFigureOut">
               <a:rPr lang="en-US" smtClean="0"/>
-              <a:t>10/5/20</a:t>
+              <a:t>10/24/20</a:t>
             </a:fld>
             <a:endParaRPr lang="en-US"/>
           </a:p>
@@ -4548,7 +4212,7 @@
           <a:p>
             <a:fld id="{F863BEF8-C8D8-2848-8261-78C146860174}" type="datetimeFigureOut">
               <a:rPr lang="en-US" smtClean="0"/>
-              <a:t>10/5/20</a:t>
+              <a:t>10/24/20</a:t>
             </a:fld>
             <a:endParaRPr lang="en-US"/>
           </a:p>
